--- a/Doc/图书管理系统毕业论文答辩.pptx
+++ b/Doc/图书管理系统毕业论文答辩.pptx
@@ -19576,7 +19576,7 @@
 </file>
 
 <file path=ppt/slides/slide4.xml><?xml version="1.0" encoding="utf-8"?>
-<p:sld xmlns:a="http://schemas.openxmlformats.org/drawingml/2006/main" xmlns:r="http://schemas.openxmlformats.org/officeDocument/2006/relationships" xmlns:p="http://schemas.openxmlformats.org/presentationml/2006/main" showMasterSp="0" show="0">
+<p:sld xmlns:a="http://schemas.openxmlformats.org/drawingml/2006/main" xmlns:r="http://schemas.openxmlformats.org/officeDocument/2006/relationships" xmlns:p="http://schemas.openxmlformats.org/presentationml/2006/main" showMasterSp="0">
   <p:cSld>
     <p:bg>
       <p:bgPr>
